--- a/docs/Presentation1.pptx
+++ b/docs/Presentation1.pptx
@@ -5,16 +5,22 @@
     <p:sldMasterId id="2147483648" r:id="rId1"/>
   </p:sldMasterIdLst>
   <p:notesMasterIdLst>
-    <p:notesMasterId r:id="rId6"/>
+    <p:notesMasterId r:id="rId12"/>
   </p:notesMasterIdLst>
   <p:handoutMasterIdLst>
-    <p:handoutMasterId r:id="rId7"/>
+    <p:handoutMasterId r:id="rId13"/>
   </p:handoutMasterIdLst>
   <p:sldIdLst>
     <p:sldId id="257" r:id="rId2"/>
     <p:sldId id="259" r:id="rId3"/>
     <p:sldId id="260" r:id="rId4"/>
     <p:sldId id="261" r:id="rId5"/>
+    <p:sldId id="263" r:id="rId6"/>
+    <p:sldId id="264" r:id="rId7"/>
+    <p:sldId id="265" r:id="rId8"/>
+    <p:sldId id="267" r:id="rId9"/>
+    <p:sldId id="262" r:id="rId10"/>
+    <p:sldId id="266" r:id="rId11"/>
   </p:sldIdLst>
   <p:sldSz cx="12192000" cy="6858000"/>
   <p:notesSz cx="6858000" cy="9144000"/>
@@ -113,6 +119,11 @@
       </a:defRPr>
     </a:lvl9pPr>
   </p:defaultTextStyle>
+  <p:extLst>
+    <p:ext uri="{EFAFB233-063F-42B5-8137-9DF3F51BA10A}">
+      <p15:sldGuideLst xmlns:p15="http://schemas.microsoft.com/office/powerpoint/2012/main"/>
+    </p:ext>
+  </p:extLst>
 </p:presentation>
 </file>
 
@@ -210,7 +221,7 @@
           <a:p>
             <a:fld id="{BA59205C-B7D8-47B9-BAFC-13AAB3E3A5A2}" type="datetimeFigureOut">
               <a:rPr lang="pt-PT" smtClean="0"/>
-              <a:t>10/11/2018</a:t>
+              <a:t>11/11/2018</a:t>
             </a:fld>
             <a:endParaRPr lang="pt-PT"/>
           </a:p>
@@ -388,7 +399,7 @@
           <a:p>
             <a:fld id="{CFCA4FC3-D4FE-4624-AF30-443E9392DCF6}" type="datetimeFigureOut">
               <a:rPr lang="pt-PT" smtClean="0"/>
-              <a:t>10/11/2018</a:t>
+              <a:t>11/11/2018</a:t>
             </a:fld>
             <a:endParaRPr lang="pt-PT"/>
           </a:p>
@@ -806,7 +817,7 @@
           <a:p>
             <a:fld id="{C513BAD3-0A78-4BDA-AC6D-24B292B47855}" type="datetimeFigureOut">
               <a:rPr lang="pt-PT" smtClean="0"/>
-              <a:t>10/11/2018</a:t>
+              <a:t>11/11/2018</a:t>
             </a:fld>
             <a:endParaRPr lang="pt-PT"/>
           </a:p>
@@ -1006,7 +1017,7 @@
           <a:p>
             <a:fld id="{C513BAD3-0A78-4BDA-AC6D-24B292B47855}" type="datetimeFigureOut">
               <a:rPr lang="pt-PT" smtClean="0"/>
-              <a:t>10/11/2018</a:t>
+              <a:t>11/11/2018</a:t>
             </a:fld>
             <a:endParaRPr lang="pt-PT"/>
           </a:p>
@@ -1216,7 +1227,7 @@
           <a:p>
             <a:fld id="{C513BAD3-0A78-4BDA-AC6D-24B292B47855}" type="datetimeFigureOut">
               <a:rPr lang="pt-PT" smtClean="0"/>
-              <a:t>10/11/2018</a:t>
+              <a:t>11/11/2018</a:t>
             </a:fld>
             <a:endParaRPr lang="pt-PT"/>
           </a:p>
@@ -1416,7 +1427,7 @@
           <a:p>
             <a:fld id="{C513BAD3-0A78-4BDA-AC6D-24B292B47855}" type="datetimeFigureOut">
               <a:rPr lang="pt-PT" smtClean="0"/>
-              <a:t>10/11/2018</a:t>
+              <a:t>11/11/2018</a:t>
             </a:fld>
             <a:endParaRPr lang="pt-PT"/>
           </a:p>
@@ -1692,7 +1703,7 @@
           <a:p>
             <a:fld id="{C513BAD3-0A78-4BDA-AC6D-24B292B47855}" type="datetimeFigureOut">
               <a:rPr lang="pt-PT" smtClean="0"/>
-              <a:t>10/11/2018</a:t>
+              <a:t>11/11/2018</a:t>
             </a:fld>
             <a:endParaRPr lang="pt-PT"/>
           </a:p>
@@ -1960,7 +1971,7 @@
           <a:p>
             <a:fld id="{C513BAD3-0A78-4BDA-AC6D-24B292B47855}" type="datetimeFigureOut">
               <a:rPr lang="pt-PT" smtClean="0"/>
-              <a:t>10/11/2018</a:t>
+              <a:t>11/11/2018</a:t>
             </a:fld>
             <a:endParaRPr lang="pt-PT"/>
           </a:p>
@@ -2375,7 +2386,7 @@
           <a:p>
             <a:fld id="{C513BAD3-0A78-4BDA-AC6D-24B292B47855}" type="datetimeFigureOut">
               <a:rPr lang="pt-PT" smtClean="0"/>
-              <a:t>10/11/2018</a:t>
+              <a:t>11/11/2018</a:t>
             </a:fld>
             <a:endParaRPr lang="pt-PT"/>
           </a:p>
@@ -2517,7 +2528,7 @@
           <a:p>
             <a:fld id="{C513BAD3-0A78-4BDA-AC6D-24B292B47855}" type="datetimeFigureOut">
               <a:rPr lang="pt-PT" smtClean="0"/>
-              <a:t>10/11/2018</a:t>
+              <a:t>11/11/2018</a:t>
             </a:fld>
             <a:endParaRPr lang="pt-PT"/>
           </a:p>
@@ -2630,7 +2641,7 @@
           <a:p>
             <a:fld id="{C513BAD3-0A78-4BDA-AC6D-24B292B47855}" type="datetimeFigureOut">
               <a:rPr lang="pt-PT" smtClean="0"/>
-              <a:t>10/11/2018</a:t>
+              <a:t>11/11/2018</a:t>
             </a:fld>
             <a:endParaRPr lang="pt-PT"/>
           </a:p>
@@ -2943,7 +2954,7 @@
           <a:p>
             <a:fld id="{C513BAD3-0A78-4BDA-AC6D-24B292B47855}" type="datetimeFigureOut">
               <a:rPr lang="pt-PT" smtClean="0"/>
-              <a:t>10/11/2018</a:t>
+              <a:t>11/11/2018</a:t>
             </a:fld>
             <a:endParaRPr lang="pt-PT"/>
           </a:p>
@@ -3232,7 +3243,7 @@
           <a:p>
             <a:fld id="{C513BAD3-0A78-4BDA-AC6D-24B292B47855}" type="datetimeFigureOut">
               <a:rPr lang="pt-PT" smtClean="0"/>
-              <a:t>10/11/2018</a:t>
+              <a:t>11/11/2018</a:t>
             </a:fld>
             <a:endParaRPr lang="pt-PT"/>
           </a:p>
@@ -3475,7 +3486,7 @@
           <a:p>
             <a:fld id="{C513BAD3-0A78-4BDA-AC6D-24B292B47855}" type="datetimeFigureOut">
               <a:rPr lang="pt-PT" smtClean="0"/>
-              <a:t>10/11/2018</a:t>
+              <a:t>11/11/2018</a:t>
             </a:fld>
             <a:endParaRPr lang="pt-PT"/>
           </a:p>
@@ -4185,6 +4196,106 @@
 </p:sld>
 </file>
 
+<file path=ppt/slides/slide10.xml><?xml version="1.0" encoding="utf-8"?>
+<p:sld xmlns:a="http://schemas.openxmlformats.org/drawingml/2006/main" xmlns:r="http://schemas.openxmlformats.org/officeDocument/2006/relationships" xmlns:p="http://schemas.openxmlformats.org/presentationml/2006/main">
+  <p:cSld>
+    <p:spTree>
+      <p:nvGrpSpPr>
+        <p:cNvPr id="1" name=""/>
+        <p:cNvGrpSpPr/>
+        <p:nvPr/>
+      </p:nvGrpSpPr>
+      <p:grpSpPr>
+        <a:xfrm>
+          <a:off x="0" y="0"/>
+          <a:ext cx="0" cy="0"/>
+          <a:chOff x="0" y="0"/>
+          <a:chExt cx="0" cy="0"/>
+        </a:xfrm>
+      </p:grpSpPr>
+      <p:sp>
+        <p:nvSpPr>
+          <p:cNvPr id="2" name="Title 1">
+            <a:extLst>
+              <a:ext uri="{FF2B5EF4-FFF2-40B4-BE49-F238E27FC236}">
+                <a16:creationId xmlns:a16="http://schemas.microsoft.com/office/drawing/2014/main" id="{2B30F986-03FA-4BD5-97FE-D25E962FACBF}"/>
+              </a:ext>
+            </a:extLst>
+          </p:cNvPr>
+          <p:cNvSpPr>
+            <a:spLocks noGrp="1"/>
+          </p:cNvSpPr>
+          <p:nvPr>
+            <p:ph type="title"/>
+          </p:nvPr>
+        </p:nvSpPr>
+        <p:spPr/>
+        <p:txBody>
+          <a:bodyPr/>
+          <a:lstStyle/>
+          <a:p>
+            <a:r>
+              <a:rPr lang="en-US" dirty="0"/>
+              <a:t>Conclusions</a:t>
+            </a:r>
+            <a:endParaRPr lang="pt-PT" dirty="0"/>
+          </a:p>
+        </p:txBody>
+      </p:sp>
+      <p:sp>
+        <p:nvSpPr>
+          <p:cNvPr id="3" name="Content Placeholder 2">
+            <a:extLst>
+              <a:ext uri="{FF2B5EF4-FFF2-40B4-BE49-F238E27FC236}">
+                <a16:creationId xmlns:a16="http://schemas.microsoft.com/office/drawing/2014/main" id="{4B3CCE15-EC4C-4F2F-8E5C-92CFC791B127}"/>
+              </a:ext>
+            </a:extLst>
+          </p:cNvPr>
+          <p:cNvSpPr>
+            <a:spLocks noGrp="1"/>
+          </p:cNvSpPr>
+          <p:nvPr>
+            <p:ph idx="1"/>
+          </p:nvPr>
+        </p:nvSpPr>
+        <p:spPr/>
+        <p:txBody>
+          <a:bodyPr/>
+          <a:lstStyle/>
+          <a:p>
+            <a:r>
+              <a:rPr lang="en-US" dirty="0"/>
+              <a:t>In conclusion we believe we have achieved what we want of simulating an environment where investor buy and trade with each other. </a:t>
+            </a:r>
+          </a:p>
+          <a:p>
+            <a:r>
+              <a:rPr lang="en-US" dirty="0"/>
+              <a:t>However it is not yet perfect the formulas we are using to enable investor decision are not perfect and still require a lot of experimentation to reach a perfect state.</a:t>
+            </a:r>
+          </a:p>
+          <a:p>
+            <a:r>
+              <a:rPr lang="en-US" dirty="0"/>
+              <a:t>Besides that we believe that our project can easily transition into the next project regarding data mining with the only work being required is a proper logging and event system to export the events to be data mined.</a:t>
+            </a:r>
+            <a:endParaRPr lang="pt-PT" dirty="0"/>
+          </a:p>
+        </p:txBody>
+      </p:sp>
+    </p:spTree>
+    <p:extLst>
+      <p:ext uri="{BB962C8B-B14F-4D97-AF65-F5344CB8AC3E}">
+        <p14:creationId xmlns:p14="http://schemas.microsoft.com/office/powerpoint/2010/main" val="1934122374"/>
+      </p:ext>
+    </p:extLst>
+  </p:cSld>
+  <p:clrMapOvr>
+    <a:masterClrMapping/>
+  </p:clrMapOvr>
+</p:sld>
+</file>
+
 <file path=ppt/slides/slide2.xml><?xml version="1.0" encoding="utf-8"?>
 <p:sld xmlns:a="http://schemas.openxmlformats.org/drawingml/2006/main" xmlns:r="http://schemas.openxmlformats.org/officeDocument/2006/relationships" xmlns:p="http://schemas.openxmlformats.org/presentationml/2006/main">
   <p:cSld>
@@ -4363,13 +4474,61 @@
           <a:p>
             <a:r>
               <a:rPr lang="pt-PT" dirty="0"/>
-              <a:t>The program currently has 5 agents</a:t>
-            </a:r>
-          </a:p>
-          <a:p>
+              <a:t>The program currently </a:t>
+            </a:r>
+            <a:r>
+              <a:rPr lang="pt-PT" dirty="0" err="1"/>
+              <a:t>has</a:t>
+            </a:r>
             <a:r>
               <a:rPr lang="pt-PT" dirty="0"/>
-              <a:t>2 of them are investors</a:t>
+              <a:t> 4 </a:t>
+            </a:r>
+            <a:r>
+              <a:rPr lang="pt-PT" dirty="0" err="1"/>
+              <a:t>distinct</a:t>
+            </a:r>
+            <a:r>
+              <a:rPr lang="pt-PT" dirty="0"/>
+              <a:t> </a:t>
+            </a:r>
+            <a:r>
+              <a:rPr lang="pt-PT" dirty="0" err="1"/>
+              <a:t>categories</a:t>
+            </a:r>
+            <a:r>
+              <a:rPr lang="pt-PT" dirty="0"/>
+              <a:t> </a:t>
+            </a:r>
+            <a:r>
+              <a:rPr lang="pt-PT" dirty="0" err="1"/>
+              <a:t>of</a:t>
+            </a:r>
+            <a:r>
+              <a:rPr lang="pt-PT" dirty="0"/>
+              <a:t> agents</a:t>
+            </a:r>
+          </a:p>
+          <a:p>
+            <a:r>
+              <a:rPr lang="pt-PT" dirty="0"/>
+              <a:t>1 </a:t>
+            </a:r>
+            <a:r>
+              <a:rPr lang="pt-PT" dirty="0" err="1"/>
+              <a:t>is</a:t>
+            </a:r>
+            <a:r>
+              <a:rPr lang="pt-PT" dirty="0"/>
+              <a:t> </a:t>
+            </a:r>
+            <a:r>
+              <a:rPr lang="pt-PT" dirty="0" err="1"/>
+              <a:t>the</a:t>
+            </a:r>
+            <a:r>
+              <a:rPr lang="pt-PT" dirty="0"/>
+              <a:t> investors</a:t>
             </a:r>
           </a:p>
           <a:p>
@@ -4381,14 +4540,160 @@
           <a:p>
             <a:r>
               <a:rPr lang="pt-PT" dirty="0"/>
-              <a:t>1 is an index</a:t>
-            </a:r>
-          </a:p>
-          <a:p>
+              <a:t>1 is </a:t>
+            </a:r>
+            <a:r>
+              <a:rPr lang="pt-PT" dirty="0" err="1"/>
+              <a:t>an</a:t>
+            </a:r>
             <a:r>
               <a:rPr lang="pt-PT" dirty="0"/>
-              <a:t>1 is a day tracker</a:t>
-            </a:r>
+              <a:t> índex – </a:t>
+            </a:r>
+            <a:r>
+              <a:rPr lang="pt-PT" dirty="0" err="1"/>
+              <a:t>this</a:t>
+            </a:r>
+            <a:r>
+              <a:rPr lang="pt-PT" dirty="0"/>
+              <a:t> </a:t>
+            </a:r>
+            <a:r>
+              <a:rPr lang="pt-PT" dirty="0" err="1"/>
+              <a:t>acts</a:t>
+            </a:r>
+            <a:r>
+              <a:rPr lang="pt-PT" dirty="0"/>
+              <a:t> as na </a:t>
+            </a:r>
+            <a:r>
+              <a:rPr lang="pt-PT" dirty="0" err="1"/>
+              <a:t>aggregator</a:t>
+            </a:r>
+            <a:r>
+              <a:rPr lang="pt-PT" dirty="0"/>
+              <a:t> </a:t>
+            </a:r>
+            <a:r>
+              <a:rPr lang="pt-PT" dirty="0" err="1"/>
+              <a:t>of</a:t>
+            </a:r>
+            <a:r>
+              <a:rPr lang="pt-PT" dirty="0"/>
+              <a:t> </a:t>
+            </a:r>
+            <a:r>
+              <a:rPr lang="pt-PT" dirty="0" err="1"/>
+              <a:t>companies</a:t>
+            </a:r>
+            <a:r>
+              <a:rPr lang="pt-PT" dirty="0"/>
+              <a:t> for </a:t>
+            </a:r>
+            <a:r>
+              <a:rPr lang="pt-PT" dirty="0" err="1"/>
+              <a:t>easy</a:t>
+            </a:r>
+            <a:r>
+              <a:rPr lang="pt-PT" dirty="0"/>
+              <a:t> </a:t>
+            </a:r>
+            <a:r>
+              <a:rPr lang="pt-PT" dirty="0" err="1"/>
+              <a:t>lookup</a:t>
+            </a:r>
+            <a:endParaRPr lang="pt-PT" dirty="0"/>
+          </a:p>
+          <a:p>
+            <a:r>
+              <a:rPr lang="pt-PT" dirty="0"/>
+              <a:t>1 is a </a:t>
+            </a:r>
+            <a:r>
+              <a:rPr lang="pt-PT" dirty="0" err="1"/>
+              <a:t>day</a:t>
+            </a:r>
+            <a:r>
+              <a:rPr lang="pt-PT" dirty="0"/>
+              <a:t> </a:t>
+            </a:r>
+            <a:r>
+              <a:rPr lang="pt-PT" dirty="0" err="1"/>
+              <a:t>tracker</a:t>
+            </a:r>
+            <a:r>
+              <a:rPr lang="pt-PT" dirty="0"/>
+              <a:t> – </a:t>
+            </a:r>
+            <a:r>
+              <a:rPr lang="pt-PT" dirty="0" err="1"/>
+              <a:t>this</a:t>
+            </a:r>
+            <a:r>
+              <a:rPr lang="pt-PT" dirty="0"/>
+              <a:t> agentes </a:t>
+            </a:r>
+            <a:r>
+              <a:rPr lang="pt-PT" dirty="0" err="1"/>
+              <a:t>is</a:t>
+            </a:r>
+            <a:r>
+              <a:rPr lang="pt-PT" dirty="0"/>
+              <a:t> </a:t>
+            </a:r>
+            <a:r>
+              <a:rPr lang="pt-PT" dirty="0" err="1"/>
+              <a:t>used</a:t>
+            </a:r>
+            <a:r>
+              <a:rPr lang="pt-PT" dirty="0"/>
+              <a:t> to cause a </a:t>
+            </a:r>
+            <a:r>
+              <a:rPr lang="pt-PT" dirty="0" err="1"/>
+              <a:t>constant</a:t>
+            </a:r>
+            <a:r>
+              <a:rPr lang="pt-PT" dirty="0"/>
+              <a:t> </a:t>
+            </a:r>
+            <a:r>
+              <a:rPr lang="pt-PT" dirty="0" err="1"/>
+              <a:t>cadence</a:t>
+            </a:r>
+            <a:r>
+              <a:rPr lang="pt-PT" dirty="0"/>
+              <a:t> </a:t>
+            </a:r>
+            <a:r>
+              <a:rPr lang="pt-PT" dirty="0" err="1"/>
+              <a:t>of</a:t>
+            </a:r>
+            <a:r>
+              <a:rPr lang="pt-PT" dirty="0"/>
+              <a:t> </a:t>
+            </a:r>
+            <a:r>
+              <a:rPr lang="pt-PT" dirty="0" err="1"/>
+              <a:t>updates</a:t>
+            </a:r>
+            <a:r>
+              <a:rPr lang="pt-PT" dirty="0"/>
+              <a:t> in </a:t>
+            </a:r>
+            <a:r>
+              <a:rPr lang="pt-PT" dirty="0" err="1"/>
+              <a:t>certain</a:t>
+            </a:r>
+            <a:r>
+              <a:rPr lang="pt-PT" dirty="0"/>
+              <a:t> </a:t>
+            </a:r>
+            <a:r>
+              <a:rPr lang="pt-PT" dirty="0" err="1"/>
+              <a:t>agents</a:t>
+            </a:r>
+            <a:endParaRPr lang="pt-PT" dirty="0"/>
           </a:p>
           <a:p>
             <a:r>
@@ -4477,7 +4782,30 @@
           <a:bodyPr/>
           <a:lstStyle/>
           <a:p>
-            <a:endParaRPr lang="pt-PT" dirty="0"/>
+            <a:r>
+              <a:rPr lang="en-US" dirty="0"/>
+              <a:t>There are two main interactions in our systems.</a:t>
+            </a:r>
+          </a:p>
+          <a:p>
+            <a:r>
+              <a:rPr lang="en-US" dirty="0"/>
+              <a:t>Investor – Company Interaction – Here a FIPA-Request is used to allow the investor to buy stock directly from the company at full price when no investor has stock from that company</a:t>
+            </a:r>
+          </a:p>
+          <a:p>
+            <a:r>
+              <a:rPr lang="en-US" dirty="0"/>
+              <a:t>Invest – Investor Interaction – Here a FIPA-</a:t>
+            </a:r>
+            <a:r>
+              <a:rPr lang="en-US" dirty="0" err="1"/>
+              <a:t>ContractNet</a:t>
+            </a:r>
+            <a:r>
+              <a:rPr lang="en-US" dirty="0"/>
+              <a:t> is used to allow an investor to buy stock from another investor.</a:t>
+            </a:r>
           </a:p>
         </p:txBody>
       </p:sp>
@@ -4485,6 +4813,470 @@
     <p:extLst>
       <p:ext uri="{BB962C8B-B14F-4D97-AF65-F5344CB8AC3E}">
         <p14:creationId xmlns:p14="http://schemas.microsoft.com/office/powerpoint/2010/main" val="1932379023"/>
+      </p:ext>
+    </p:extLst>
+  </p:cSld>
+  <p:clrMapOvr>
+    <a:masterClrMapping/>
+  </p:clrMapOvr>
+</p:sld>
+</file>
+
+<file path=ppt/slides/slide5.xml><?xml version="1.0" encoding="utf-8"?>
+<p:sld xmlns:a="http://schemas.openxmlformats.org/drawingml/2006/main" xmlns:r="http://schemas.openxmlformats.org/officeDocument/2006/relationships" xmlns:p="http://schemas.openxmlformats.org/presentationml/2006/main">
+  <p:cSld>
+    <p:spTree>
+      <p:nvGrpSpPr>
+        <p:cNvPr id="1" name=""/>
+        <p:cNvGrpSpPr/>
+        <p:nvPr/>
+      </p:nvGrpSpPr>
+      <p:grpSpPr>
+        <a:xfrm>
+          <a:off x="0" y="0"/>
+          <a:ext cx="0" cy="0"/>
+          <a:chOff x="0" y="0"/>
+          <a:chExt cx="0" cy="0"/>
+        </a:xfrm>
+      </p:grpSpPr>
+      <p:sp>
+        <p:nvSpPr>
+          <p:cNvPr id="2" name="Title 1">
+            <a:extLst>
+              <a:ext uri="{FF2B5EF4-FFF2-40B4-BE49-F238E27FC236}">
+                <a16:creationId xmlns:a16="http://schemas.microsoft.com/office/drawing/2014/main" id="{21EEDBB7-A1BB-48FA-9D06-64A37CCD5796}"/>
+              </a:ext>
+            </a:extLst>
+          </p:cNvPr>
+          <p:cNvSpPr>
+            <a:spLocks noGrp="1"/>
+          </p:cNvSpPr>
+          <p:nvPr>
+            <p:ph type="title"/>
+          </p:nvPr>
+        </p:nvSpPr>
+        <p:spPr/>
+        <p:txBody>
+          <a:bodyPr/>
+          <a:lstStyle/>
+          <a:p>
+            <a:r>
+              <a:rPr lang="en-US" dirty="0"/>
+              <a:t>Discovery Systems</a:t>
+            </a:r>
+            <a:endParaRPr lang="pt-PT" dirty="0"/>
+          </a:p>
+        </p:txBody>
+      </p:sp>
+      <p:sp>
+        <p:nvSpPr>
+          <p:cNvPr id="3" name="Content Placeholder 2">
+            <a:extLst>
+              <a:ext uri="{FF2B5EF4-FFF2-40B4-BE49-F238E27FC236}">
+                <a16:creationId xmlns:a16="http://schemas.microsoft.com/office/drawing/2014/main" id="{FFC86E4B-FA0F-4648-8D51-F36F4641BFE9}"/>
+              </a:ext>
+            </a:extLst>
+          </p:cNvPr>
+          <p:cNvSpPr>
+            <a:spLocks noGrp="1"/>
+          </p:cNvSpPr>
+          <p:nvPr>
+            <p:ph idx="1"/>
+          </p:nvPr>
+        </p:nvSpPr>
+        <p:spPr/>
+        <p:txBody>
+          <a:bodyPr/>
+          <a:lstStyle/>
+          <a:p>
+            <a:r>
+              <a:rPr lang="en-US" dirty="0"/>
+              <a:t>There are two main discovery services or aggregators, one for investors and one for companies</a:t>
+            </a:r>
+          </a:p>
+          <a:p>
+            <a:r>
+              <a:rPr lang="en-US" dirty="0"/>
+              <a:t>Index – This is an aggregator of companies and allows us to look up for companies, register transactions between agents and dynamically readjust the stock value of a company.</a:t>
+            </a:r>
+          </a:p>
+          <a:p>
+            <a:r>
+              <a:rPr lang="en-US" dirty="0"/>
+              <a:t>Investor Agency – This is an aggregator of investors and allows for easy investor lookup and to search for investor that have stock in a given company.</a:t>
+            </a:r>
+            <a:endParaRPr lang="pt-PT" dirty="0"/>
+          </a:p>
+        </p:txBody>
+      </p:sp>
+    </p:spTree>
+    <p:extLst>
+      <p:ext uri="{BB962C8B-B14F-4D97-AF65-F5344CB8AC3E}">
+        <p14:creationId xmlns:p14="http://schemas.microsoft.com/office/powerpoint/2010/main" val="1708761717"/>
+      </p:ext>
+    </p:extLst>
+  </p:cSld>
+  <p:clrMapOvr>
+    <a:masterClrMapping/>
+  </p:clrMapOvr>
+</p:sld>
+</file>
+
+<file path=ppt/slides/slide6.xml><?xml version="1.0" encoding="utf-8"?>
+<p:sld xmlns:a="http://schemas.openxmlformats.org/drawingml/2006/main" xmlns:r="http://schemas.openxmlformats.org/officeDocument/2006/relationships" xmlns:p="http://schemas.openxmlformats.org/presentationml/2006/main">
+  <p:cSld>
+    <p:spTree>
+      <p:nvGrpSpPr>
+        <p:cNvPr id="1" name=""/>
+        <p:cNvGrpSpPr/>
+        <p:nvPr/>
+      </p:nvGrpSpPr>
+      <p:grpSpPr>
+        <a:xfrm>
+          <a:off x="0" y="0"/>
+          <a:ext cx="0" cy="0"/>
+          <a:chOff x="0" y="0"/>
+          <a:chExt cx="0" cy="0"/>
+        </a:xfrm>
+      </p:grpSpPr>
+      <p:sp>
+        <p:nvSpPr>
+          <p:cNvPr id="2" name="Title 1">
+            <a:extLst>
+              <a:ext uri="{FF2B5EF4-FFF2-40B4-BE49-F238E27FC236}">
+                <a16:creationId xmlns:a16="http://schemas.microsoft.com/office/drawing/2014/main" id="{09AAED7C-752A-40F1-AD2D-643CAAEE2B30}"/>
+              </a:ext>
+            </a:extLst>
+          </p:cNvPr>
+          <p:cNvSpPr>
+            <a:spLocks noGrp="1"/>
+          </p:cNvSpPr>
+          <p:nvPr>
+            <p:ph type="title"/>
+          </p:nvPr>
+        </p:nvSpPr>
+        <p:spPr/>
+        <p:txBody>
+          <a:bodyPr/>
+          <a:lstStyle/>
+          <a:p>
+            <a:r>
+              <a:rPr lang="en-US" dirty="0"/>
+              <a:t>Architecture</a:t>
+            </a:r>
+            <a:endParaRPr lang="pt-PT" dirty="0"/>
+          </a:p>
+        </p:txBody>
+      </p:sp>
+      <p:sp>
+        <p:nvSpPr>
+          <p:cNvPr id="3" name="Content Placeholder 2">
+            <a:extLst>
+              <a:ext uri="{FF2B5EF4-FFF2-40B4-BE49-F238E27FC236}">
+                <a16:creationId xmlns:a16="http://schemas.microsoft.com/office/drawing/2014/main" id="{F94A1152-2D8F-44B4-B17E-DE9766082C7D}"/>
+              </a:ext>
+            </a:extLst>
+          </p:cNvPr>
+          <p:cNvSpPr>
+            <a:spLocks noGrp="1"/>
+          </p:cNvSpPr>
+          <p:nvPr>
+            <p:ph idx="1"/>
+          </p:nvPr>
+        </p:nvSpPr>
+        <p:spPr/>
+        <p:txBody>
+          <a:bodyPr/>
+          <a:lstStyle/>
+          <a:p>
+            <a:r>
+              <a:rPr lang="en-US" dirty="0"/>
+              <a:t>There are 3 main architectures that should be explained</a:t>
+            </a:r>
+          </a:p>
+          <a:p>
+            <a:r>
+              <a:rPr lang="en-US" dirty="0"/>
+              <a:t>Investor – Investor Negotiation – Using the FIPA-Contract net the initiator first offers an offer bellow the full price , the responder then checks if he accepts the price if he does the deal goes through, otherwise it creates a counter offer above the full price, if the initiator accepts the deal goes through otherwise it offers a counter offer at the middle point of the two offers and if the responder accepts the deal goes through, otherwise the deal is canceled. The buyer is responsible for registering the transaction in the index.</a:t>
+            </a:r>
+            <a:endParaRPr lang="pt-PT" dirty="0"/>
+          </a:p>
+        </p:txBody>
+      </p:sp>
+    </p:spTree>
+    <p:extLst>
+      <p:ext uri="{BB962C8B-B14F-4D97-AF65-F5344CB8AC3E}">
+        <p14:creationId xmlns:p14="http://schemas.microsoft.com/office/powerpoint/2010/main" val="2472837344"/>
+      </p:ext>
+    </p:extLst>
+  </p:cSld>
+  <p:clrMapOvr>
+    <a:masterClrMapping/>
+  </p:clrMapOvr>
+</p:sld>
+</file>
+
+<file path=ppt/slides/slide7.xml><?xml version="1.0" encoding="utf-8"?>
+<p:sld xmlns:a="http://schemas.openxmlformats.org/drawingml/2006/main" xmlns:r="http://schemas.openxmlformats.org/officeDocument/2006/relationships" xmlns:p="http://schemas.openxmlformats.org/presentationml/2006/main">
+  <p:cSld>
+    <p:spTree>
+      <p:nvGrpSpPr>
+        <p:cNvPr id="1" name=""/>
+        <p:cNvGrpSpPr/>
+        <p:nvPr/>
+      </p:nvGrpSpPr>
+      <p:grpSpPr>
+        <a:xfrm>
+          <a:off x="0" y="0"/>
+          <a:ext cx="0" cy="0"/>
+          <a:chOff x="0" y="0"/>
+          <a:chExt cx="0" cy="0"/>
+        </a:xfrm>
+      </p:grpSpPr>
+      <p:sp>
+        <p:nvSpPr>
+          <p:cNvPr id="2" name="Title 1">
+            <a:extLst>
+              <a:ext uri="{FF2B5EF4-FFF2-40B4-BE49-F238E27FC236}">
+                <a16:creationId xmlns:a16="http://schemas.microsoft.com/office/drawing/2014/main" id="{01D43276-8828-4487-9433-B04F13248423}"/>
+              </a:ext>
+            </a:extLst>
+          </p:cNvPr>
+          <p:cNvSpPr>
+            <a:spLocks noGrp="1"/>
+          </p:cNvSpPr>
+          <p:nvPr>
+            <p:ph type="title"/>
+          </p:nvPr>
+        </p:nvSpPr>
+        <p:spPr/>
+        <p:txBody>
+          <a:bodyPr/>
+          <a:lstStyle/>
+          <a:p>
+            <a:r>
+              <a:rPr lang="en-US" dirty="0"/>
+              <a:t>Architecture</a:t>
+            </a:r>
+            <a:endParaRPr lang="pt-PT" dirty="0"/>
+          </a:p>
+        </p:txBody>
+      </p:sp>
+      <p:sp>
+        <p:nvSpPr>
+          <p:cNvPr id="3" name="Content Placeholder 2">
+            <a:extLst>
+              <a:ext uri="{FF2B5EF4-FFF2-40B4-BE49-F238E27FC236}">
+                <a16:creationId xmlns:a16="http://schemas.microsoft.com/office/drawing/2014/main" id="{8DC66423-2C03-4A9B-B29B-A25E6E51454C}"/>
+              </a:ext>
+            </a:extLst>
+          </p:cNvPr>
+          <p:cNvSpPr>
+            <a:spLocks noGrp="1"/>
+          </p:cNvSpPr>
+          <p:nvPr>
+            <p:ph idx="1"/>
+          </p:nvPr>
+        </p:nvSpPr>
+        <p:spPr/>
+        <p:txBody>
+          <a:bodyPr/>
+          <a:lstStyle/>
+          <a:p>
+            <a:r>
+              <a:rPr lang="en-US" dirty="0"/>
+              <a:t>Transaction handling and Stock Value Adjustment – The index handles executing the transaction and transferring  money and stocks from one investor to another. It does this exactly as the transaction is registered. To adjust the stock value of the companies it has two queues that store transactions, at the end of the day it goes through the main queue and readjust stock values for companies based on that and while this happens transactions are registered into a secondary queue, when the process is finished all transactions in the secondary queue are transferred to the main queue.</a:t>
+            </a:r>
+            <a:endParaRPr lang="pt-PT" dirty="0"/>
+          </a:p>
+        </p:txBody>
+      </p:sp>
+    </p:spTree>
+    <p:extLst>
+      <p:ext uri="{BB962C8B-B14F-4D97-AF65-F5344CB8AC3E}">
+        <p14:creationId xmlns:p14="http://schemas.microsoft.com/office/powerpoint/2010/main" val="1665357002"/>
+      </p:ext>
+    </p:extLst>
+  </p:cSld>
+  <p:clrMapOvr>
+    <a:masterClrMapping/>
+  </p:clrMapOvr>
+</p:sld>
+</file>
+
+<file path=ppt/slides/slide8.xml><?xml version="1.0" encoding="utf-8"?>
+<p:sld xmlns:a="http://schemas.openxmlformats.org/drawingml/2006/main" xmlns:r="http://schemas.openxmlformats.org/officeDocument/2006/relationships" xmlns:p="http://schemas.openxmlformats.org/presentationml/2006/main">
+  <p:cSld>
+    <p:spTree>
+      <p:nvGrpSpPr>
+        <p:cNvPr id="1" name=""/>
+        <p:cNvGrpSpPr/>
+        <p:nvPr/>
+      </p:nvGrpSpPr>
+      <p:grpSpPr>
+        <a:xfrm>
+          <a:off x="0" y="0"/>
+          <a:ext cx="0" cy="0"/>
+          <a:chOff x="0" y="0"/>
+          <a:chExt cx="0" cy="0"/>
+        </a:xfrm>
+      </p:grpSpPr>
+      <p:sp>
+        <p:nvSpPr>
+          <p:cNvPr id="2" name="Title 1">
+            <a:extLst>
+              <a:ext uri="{FF2B5EF4-FFF2-40B4-BE49-F238E27FC236}">
+                <a16:creationId xmlns:a16="http://schemas.microsoft.com/office/drawing/2014/main" id="{0C035721-503D-4A37-85C2-0F032A52B181}"/>
+              </a:ext>
+            </a:extLst>
+          </p:cNvPr>
+          <p:cNvSpPr>
+            <a:spLocks noGrp="1"/>
+          </p:cNvSpPr>
+          <p:nvPr>
+            <p:ph type="title"/>
+          </p:nvPr>
+        </p:nvSpPr>
+        <p:spPr/>
+        <p:txBody>
+          <a:bodyPr/>
+          <a:lstStyle/>
+          <a:p>
+            <a:r>
+              <a:rPr lang="en-US" dirty="0"/>
+              <a:t>Experimentation</a:t>
+            </a:r>
+            <a:endParaRPr lang="pt-PT" dirty="0"/>
+          </a:p>
+        </p:txBody>
+      </p:sp>
+      <p:sp>
+        <p:nvSpPr>
+          <p:cNvPr id="3" name="Content Placeholder 2">
+            <a:extLst>
+              <a:ext uri="{FF2B5EF4-FFF2-40B4-BE49-F238E27FC236}">
+                <a16:creationId xmlns:a16="http://schemas.microsoft.com/office/drawing/2014/main" id="{671C53E5-2CA3-47D2-83A2-7C6D3C10C86D}"/>
+              </a:ext>
+            </a:extLst>
+          </p:cNvPr>
+          <p:cNvSpPr>
+            <a:spLocks noGrp="1"/>
+          </p:cNvSpPr>
+          <p:nvPr>
+            <p:ph idx="1"/>
+          </p:nvPr>
+        </p:nvSpPr>
+        <p:spPr/>
+        <p:txBody>
+          <a:bodyPr/>
+          <a:lstStyle/>
+          <a:p>
+            <a:r>
+              <a:rPr lang="en-US" dirty="0"/>
+              <a:t>Our experimentation method is very simple it is an endless simulation environment where upon start the agents and structures are loaded from a file and the simulation starts.</a:t>
+            </a:r>
+            <a:endParaRPr lang="pt-PT" dirty="0"/>
+          </a:p>
+        </p:txBody>
+      </p:sp>
+    </p:spTree>
+    <p:extLst>
+      <p:ext uri="{BB962C8B-B14F-4D97-AF65-F5344CB8AC3E}">
+        <p14:creationId xmlns:p14="http://schemas.microsoft.com/office/powerpoint/2010/main" val="1642041627"/>
+      </p:ext>
+    </p:extLst>
+  </p:cSld>
+  <p:clrMapOvr>
+    <a:masterClrMapping/>
+  </p:clrMapOvr>
+</p:sld>
+</file>
+
+<file path=ppt/slides/slide9.xml><?xml version="1.0" encoding="utf-8"?>
+<p:sld xmlns:a="http://schemas.openxmlformats.org/drawingml/2006/main" xmlns:r="http://schemas.openxmlformats.org/officeDocument/2006/relationships" xmlns:p="http://schemas.openxmlformats.org/presentationml/2006/main">
+  <p:cSld>
+    <p:spTree>
+      <p:nvGrpSpPr>
+        <p:cNvPr id="1" name=""/>
+        <p:cNvGrpSpPr/>
+        <p:nvPr/>
+      </p:nvGrpSpPr>
+      <p:grpSpPr>
+        <a:xfrm>
+          <a:off x="0" y="0"/>
+          <a:ext cx="0" cy="0"/>
+          <a:chOff x="0" y="0"/>
+          <a:chExt cx="0" cy="0"/>
+        </a:xfrm>
+      </p:grpSpPr>
+      <p:sp>
+        <p:nvSpPr>
+          <p:cNvPr id="2" name="Title 1">
+            <a:extLst>
+              <a:ext uri="{FF2B5EF4-FFF2-40B4-BE49-F238E27FC236}">
+                <a16:creationId xmlns:a16="http://schemas.microsoft.com/office/drawing/2014/main" id="{1315C0C7-1DC9-4086-9EF4-39B508D9D627}"/>
+              </a:ext>
+            </a:extLst>
+          </p:cNvPr>
+          <p:cNvSpPr>
+            <a:spLocks noGrp="1"/>
+          </p:cNvSpPr>
+          <p:nvPr>
+            <p:ph type="title"/>
+          </p:nvPr>
+        </p:nvSpPr>
+        <p:spPr/>
+        <p:txBody>
+          <a:bodyPr/>
+          <a:lstStyle/>
+          <a:p>
+            <a:r>
+              <a:rPr lang="en-US" dirty="0"/>
+              <a:t>Software</a:t>
+            </a:r>
+            <a:endParaRPr lang="pt-PT" dirty="0"/>
+          </a:p>
+        </p:txBody>
+      </p:sp>
+      <p:sp>
+        <p:nvSpPr>
+          <p:cNvPr id="3" name="Content Placeholder 2">
+            <a:extLst>
+              <a:ext uri="{FF2B5EF4-FFF2-40B4-BE49-F238E27FC236}">
+                <a16:creationId xmlns:a16="http://schemas.microsoft.com/office/drawing/2014/main" id="{0AF76452-17E8-4C6D-90F0-2C2FFED7843B}"/>
+              </a:ext>
+            </a:extLst>
+          </p:cNvPr>
+          <p:cNvSpPr>
+            <a:spLocks noGrp="1"/>
+          </p:cNvSpPr>
+          <p:nvPr>
+            <p:ph idx="1"/>
+          </p:nvPr>
+        </p:nvSpPr>
+        <p:spPr/>
+        <p:txBody>
+          <a:bodyPr/>
+          <a:lstStyle/>
+          <a:p>
+            <a:r>
+              <a:rPr lang="en-US" dirty="0"/>
+              <a:t>Java – Main Programming Language</a:t>
+            </a:r>
+          </a:p>
+          <a:p>
+            <a:r>
+              <a:rPr lang="en-US" dirty="0"/>
+              <a:t>JADE – Java Middleware for Agent Development</a:t>
+            </a:r>
+            <a:endParaRPr lang="pt-PT" dirty="0"/>
+          </a:p>
+        </p:txBody>
+      </p:sp>
+    </p:spTree>
+    <p:extLst>
+      <p:ext uri="{BB962C8B-B14F-4D97-AF65-F5344CB8AC3E}">
+        <p14:creationId xmlns:p14="http://schemas.microsoft.com/office/powerpoint/2010/main" val="3051656991"/>
       </p:ext>
     </p:extLst>
   </p:cSld>

--- a/docs/Presentation1.pptx
+++ b/docs/Presentation1.pptx
@@ -4265,19 +4265,19 @@
           <a:p>
             <a:r>
               <a:rPr lang="en-US" dirty="0"/>
-              <a:t>In conclusion we believe we have achieved what we want of simulating an environment where investor buy and trade with each other. </a:t>
+              <a:t>We believe we have achieved what we wanted from a simulated environment where investors buy and trade with each other. </a:t>
             </a:r>
           </a:p>
           <a:p>
             <a:r>
               <a:rPr lang="en-US" dirty="0"/>
-              <a:t>However it is not yet perfect the formulas we are using to enable investor decision are not perfect and still require a lot of experimentation to reach a perfect state.</a:t>
+              <a:t>However our work isn’t final yet, the formulas we are using to enable investor decisions are not perfect and still require a lot of experimentation.</a:t>
             </a:r>
           </a:p>
           <a:p>
             <a:r>
               <a:rPr lang="en-US" dirty="0"/>
-              <a:t>Besides that we believe that our project can easily transition into the next project regarding data mining with the only work being required is a proper logging and event system to export the events to be data mined.</a:t>
+              <a:t>Besides that we believe our project will easily transition into the next phase regarding data mining, with the only work being constructing a proper logging and event system to export the events to be data mined.</a:t>
             </a:r>
             <a:endParaRPr lang="pt-PT" dirty="0"/>
           </a:p>
@@ -4784,7 +4784,7 @@
           <a:p>
             <a:r>
               <a:rPr lang="en-US" dirty="0"/>
-              <a:t>There are two main interactions in our systems.</a:t>
+              <a:t>There are two main interactions in our systems</a:t>
             </a:r>
           </a:p>
           <a:p>
@@ -4804,7 +4804,7 @@
             </a:r>
             <a:r>
               <a:rPr lang="en-US" dirty="0"/>
-              <a:t> is used to allow an investor to buy stock from another investor.</a:t>
+              <a:t> is used to allow an investor to buy stock from another investor</a:t>
             </a:r>
           </a:p>
         </p:txBody>
@@ -4897,7 +4897,7 @@
           <a:p>
             <a:r>
               <a:rPr lang="en-US" dirty="0"/>
-              <a:t>Index – This is an aggregator of companies and allows us to look up for companies, register transactions between agents and dynamically readjust the stock value of a company.</a:t>
+              <a:t>Index – This is an aggregator of companies and allows us to look up for companies, register transactions between agents and dynamically readjust the stock value of a company</a:t>
             </a:r>
           </a:p>
           <a:p>
@@ -4986,20 +4986,45 @@
         </p:nvSpPr>
         <p:spPr/>
         <p:txBody>
-          <a:bodyPr/>
-          <a:lstStyle/>
-          <a:p>
-            <a:r>
-              <a:rPr lang="en-US" dirty="0"/>
+          <a:bodyPr>
+            <a:normAutofit lnSpcReduction="10000"/>
+          </a:bodyPr>
+          <a:lstStyle/>
+          <a:p>
+            <a:r>
+              <a:rPr lang="en-GB" dirty="0"/>
               <a:t>There are 3 main architectures that should be explained</a:t>
             </a:r>
           </a:p>
           <a:p>
             <a:r>
-              <a:rPr lang="en-US" dirty="0"/>
-              <a:t>Investor – Investor Negotiation – Using the FIPA-Contract net the initiator first offers an offer bellow the full price , the responder then checks if he accepts the price if he does the deal goes through, otherwise it creates a counter offer above the full price, if the initiator accepts the deal goes through otherwise it offers a counter offer at the middle point of the two offers and if the responder accepts the deal goes through, otherwise the deal is canceled. The buyer is responsible for registering the transaction in the index.</a:t>
-            </a:r>
-            <a:endParaRPr lang="pt-PT" dirty="0"/>
+              <a:rPr lang="en-GB" dirty="0"/>
+              <a:t>Investor – Investor Negotiation – Using the FIPA-Contract net the initiator first offers an offer bellow the full price, the responder then checks if he accepts the price. If he does, the deal goes through</a:t>
+            </a:r>
+          </a:p>
+          <a:p>
+            <a:r>
+              <a:rPr lang="en-GB" dirty="0"/>
+              <a:t>Otherwise it creates a counter offer above the full price, if the initiator accepts, the deal goes through</a:t>
+            </a:r>
+          </a:p>
+          <a:p>
+            <a:r>
+              <a:rPr lang="en-GB" dirty="0"/>
+              <a:t>Otherwise it offers a counter offer at the middle point of the two offers and if the responder accepts the deal goes through</a:t>
+            </a:r>
+          </a:p>
+          <a:p>
+            <a:r>
+              <a:rPr lang="en-GB" dirty="0"/>
+              <a:t>Otherwise the deal is cancelled </a:t>
+            </a:r>
+          </a:p>
+          <a:p>
+            <a:r>
+              <a:rPr lang="en-GB" dirty="0"/>
+              <a:t>The buyer is responsible for registering the transaction in the index.</a:t>
+            </a:r>
           </a:p>
         </p:txBody>
       </p:sp>
@@ -5085,7 +5110,19 @@
           <a:p>
             <a:r>
               <a:rPr lang="en-US" dirty="0"/>
-              <a:t>Transaction handling and Stock Value Adjustment – The index handles executing the transaction and transferring  money and stocks from one investor to another. It does this exactly as the transaction is registered. To adjust the stock value of the companies it has two queues that store transactions, at the end of the day it goes through the main queue and readjust stock values for companies based on that and while this happens transactions are registered into a secondary queue, when the process is finished all transactions in the secondary queue are transferred to the main queue.</a:t>
+              <a:t>Transaction handling and Stock Value Adjustment – The index handles transactions and transfers of money and stock from one investor to another. It does this exactly as the transaction is registered </a:t>
+            </a:r>
+          </a:p>
+          <a:p>
+            <a:r>
+              <a:rPr lang="en-US" dirty="0"/>
+              <a:t>To adjust the stock value of the companies, it has two queues that store transactions. So at the end of a day, it goes through the main queue and readjusts stock values for companies based on that</a:t>
+            </a:r>
+          </a:p>
+          <a:p>
+            <a:r>
+              <a:rPr lang="en-US" dirty="0"/>
+              <a:t>While this happens, transactions are registered into a secondary queue, when the process is finished all transactions in the secondary queue are transferred to the main queue</a:t>
             </a:r>
             <a:endParaRPr lang="pt-PT" dirty="0"/>
           </a:p>
@@ -5173,9 +5210,17 @@
           <a:p>
             <a:r>
               <a:rPr lang="en-US" dirty="0"/>
-              <a:t>Our experimentation method is very simple it is an endless simulation environment where upon start the agents and structures are loaded from a file and the simulation starts.</a:t>
-            </a:r>
-            <a:endParaRPr lang="pt-PT" dirty="0"/>
+              <a:t>Our experimentation method is very simple</a:t>
+            </a:r>
+          </a:p>
+          <a:p>
+            <a:r>
+              <a:rPr lang="en-US" dirty="0"/>
+              <a:t>It is an endless simulation environment where at the start, the agents and structures are loaded from a file</a:t>
+            </a:r>
+          </a:p>
+          <a:p>
+            <a:endParaRPr lang="en-US" dirty="0"/>
           </a:p>
         </p:txBody>
       </p:sp>
